--- a/AP1_pos_feedback.pptx
+++ b/AP1_pos_feedback.pptx
@@ -268,7 +268,7 @@
           <a:p>
             <a:fld id="{7036D830-28B1-49E6-B185-38C9E379933A}" type="datetimeFigureOut">
               <a:rPr lang="pt-BR" smtClean="0"/>
-              <a:t>14/04/2023</a:t>
+              <a:t>01/06/2023</a:t>
             </a:fld>
             <a:endParaRPr lang="pt-BR"/>
           </a:p>
@@ -466,7 +466,7 @@
           <a:p>
             <a:fld id="{7036D830-28B1-49E6-B185-38C9E379933A}" type="datetimeFigureOut">
               <a:rPr lang="pt-BR" smtClean="0"/>
-              <a:t>14/04/2023</a:t>
+              <a:t>01/06/2023</a:t>
             </a:fld>
             <a:endParaRPr lang="pt-BR"/>
           </a:p>
@@ -674,7 +674,7 @@
           <a:p>
             <a:fld id="{7036D830-28B1-49E6-B185-38C9E379933A}" type="datetimeFigureOut">
               <a:rPr lang="pt-BR" smtClean="0"/>
-              <a:t>14/04/2023</a:t>
+              <a:t>01/06/2023</a:t>
             </a:fld>
             <a:endParaRPr lang="pt-BR"/>
           </a:p>
@@ -872,7 +872,7 @@
           <a:p>
             <a:fld id="{7036D830-28B1-49E6-B185-38C9E379933A}" type="datetimeFigureOut">
               <a:rPr lang="pt-BR" smtClean="0"/>
-              <a:t>14/04/2023</a:t>
+              <a:t>01/06/2023</a:t>
             </a:fld>
             <a:endParaRPr lang="pt-BR"/>
           </a:p>
@@ -1147,7 +1147,7 @@
           <a:p>
             <a:fld id="{7036D830-28B1-49E6-B185-38C9E379933A}" type="datetimeFigureOut">
               <a:rPr lang="pt-BR" smtClean="0"/>
-              <a:t>14/04/2023</a:t>
+              <a:t>01/06/2023</a:t>
             </a:fld>
             <a:endParaRPr lang="pt-BR"/>
           </a:p>
@@ -1412,7 +1412,7 @@
           <a:p>
             <a:fld id="{7036D830-28B1-49E6-B185-38C9E379933A}" type="datetimeFigureOut">
               <a:rPr lang="pt-BR" smtClean="0"/>
-              <a:t>14/04/2023</a:t>
+              <a:t>01/06/2023</a:t>
             </a:fld>
             <a:endParaRPr lang="pt-BR"/>
           </a:p>
@@ -1824,7 +1824,7 @@
           <a:p>
             <a:fld id="{7036D830-28B1-49E6-B185-38C9E379933A}" type="datetimeFigureOut">
               <a:rPr lang="pt-BR" smtClean="0"/>
-              <a:t>14/04/2023</a:t>
+              <a:t>01/06/2023</a:t>
             </a:fld>
             <a:endParaRPr lang="pt-BR"/>
           </a:p>
@@ -1965,7 +1965,7 @@
           <a:p>
             <a:fld id="{7036D830-28B1-49E6-B185-38C9E379933A}" type="datetimeFigureOut">
               <a:rPr lang="pt-BR" smtClean="0"/>
-              <a:t>14/04/2023</a:t>
+              <a:t>01/06/2023</a:t>
             </a:fld>
             <a:endParaRPr lang="pt-BR"/>
           </a:p>
@@ -2078,7 +2078,7 @@
           <a:p>
             <a:fld id="{7036D830-28B1-49E6-B185-38C9E379933A}" type="datetimeFigureOut">
               <a:rPr lang="pt-BR" smtClean="0"/>
-              <a:t>14/04/2023</a:t>
+              <a:t>01/06/2023</a:t>
             </a:fld>
             <a:endParaRPr lang="pt-BR"/>
           </a:p>
@@ -2389,7 +2389,7 @@
           <a:p>
             <a:fld id="{7036D830-28B1-49E6-B185-38C9E379933A}" type="datetimeFigureOut">
               <a:rPr lang="pt-BR" smtClean="0"/>
-              <a:t>14/04/2023</a:t>
+              <a:t>01/06/2023</a:t>
             </a:fld>
             <a:endParaRPr lang="pt-BR"/>
           </a:p>
@@ -2677,7 +2677,7 @@
           <a:p>
             <a:fld id="{7036D830-28B1-49E6-B185-38C9E379933A}" type="datetimeFigureOut">
               <a:rPr lang="pt-BR" smtClean="0"/>
-              <a:t>14/04/2023</a:t>
+              <a:t>01/06/2023</a:t>
             </a:fld>
             <a:endParaRPr lang="pt-BR"/>
           </a:p>
@@ -2918,7 +2918,7 @@
           <a:p>
             <a:fld id="{7036D830-28B1-49E6-B185-38C9E379933A}" type="datetimeFigureOut">
               <a:rPr lang="pt-BR" smtClean="0"/>
-              <a:t>14/04/2023</a:t>
+              <a:t>01/06/2023</a:t>
             </a:fld>
             <a:endParaRPr lang="pt-BR"/>
           </a:p>
@@ -4089,46 +4089,6 @@
           </a:p>
         </p:txBody>
       </p:sp>
-      <p:sp>
-        <p:nvSpPr>
-          <p:cNvPr id="9" name="CaixaDeTexto 8">
-            <a:extLst>
-              <a:ext uri="{FF2B5EF4-FFF2-40B4-BE49-F238E27FC236}">
-                <a16:creationId xmlns:a16="http://schemas.microsoft.com/office/drawing/2014/main" id="{633AB531-992A-5068-3575-55523EA8639E}"/>
-              </a:ext>
-            </a:extLst>
-          </p:cNvPr>
-          <p:cNvSpPr txBox="1"/>
-          <p:nvPr/>
-        </p:nvSpPr>
-        <p:spPr>
-          <a:xfrm>
-            <a:off x="859872" y="4364286"/>
-            <a:ext cx="2950359" cy="369332"/>
-          </a:xfrm>
-          <a:prstGeom prst="rect">
-            <a:avLst/>
-          </a:prstGeom>
-          <a:solidFill>
-            <a:srgbClr val="FF0000"/>
-          </a:solidFill>
-        </p:spPr>
-        <p:txBody>
-          <a:bodyPr wrap="none" rtlCol="0">
-            <a:spAutoFit/>
-          </a:bodyPr>
-          <a:lstStyle/>
-          <a:p>
-            <a:r>
-              <a:rPr lang="pt-BR" dirty="0">
-                <a:latin typeface="Arial" panose="020B0604020202020204" pitchFamily="34" charset="0"/>
-                <a:cs typeface="Arial" panose="020B0604020202020204" pitchFamily="34" charset="0"/>
-              </a:rPr>
-              <a:t>DESENVOLVER MELHOR</a:t>
-            </a:r>
-          </a:p>
-        </p:txBody>
-      </p:sp>
     </p:spTree>
     <p:extLst>
       <p:ext uri="{BB962C8B-B14F-4D97-AF65-F5344CB8AC3E}">
@@ -4470,8 +4430,8 @@
         </p:nvSpPr>
         <p:spPr>
           <a:xfrm>
-            <a:off x="688109" y="1348099"/>
-            <a:ext cx="10815781" cy="1323439"/>
+            <a:off x="461639" y="1348100"/>
+            <a:ext cx="11168110" cy="2431435"/>
           </a:xfrm>
           <a:prstGeom prst="rect">
             <a:avLst/>
@@ -4479,7 +4439,7 @@
           <a:noFill/>
         </p:spPr>
         <p:txBody>
-          <a:bodyPr wrap="none" rtlCol="0">
+          <a:bodyPr wrap="square" rtlCol="0">
             <a:spAutoFit/>
           </a:bodyPr>
           <a:lstStyle/>
@@ -4527,46 +4487,21 @@
               </a:rPr>
               <a:t>do público interno</a:t>
             </a:r>
-          </a:p>
-        </p:txBody>
-      </p:sp>
-      <p:sp>
-        <p:nvSpPr>
-          <p:cNvPr id="9" name="CaixaDeTexto 8">
-            <a:extLst>
-              <a:ext uri="{FF2B5EF4-FFF2-40B4-BE49-F238E27FC236}">
-                <a16:creationId xmlns:a16="http://schemas.microsoft.com/office/drawing/2014/main" id="{633AB531-992A-5068-3575-55523EA8639E}"/>
-              </a:ext>
-            </a:extLst>
-          </p:cNvPr>
-          <p:cNvSpPr txBox="1"/>
-          <p:nvPr/>
-        </p:nvSpPr>
-        <p:spPr>
-          <a:xfrm>
-            <a:off x="859872" y="3338623"/>
-            <a:ext cx="1702133" cy="369332"/>
-          </a:xfrm>
-          <a:prstGeom prst="rect">
-            <a:avLst/>
-          </a:prstGeom>
-          <a:solidFill>
-            <a:srgbClr val="FF0000"/>
-          </a:solidFill>
-        </p:spPr>
-        <p:txBody>
-          <a:bodyPr wrap="none" rtlCol="0">
-            <a:spAutoFit/>
-          </a:bodyPr>
-          <a:lstStyle/>
-          <a:p>
-            <a:r>
-              <a:rPr lang="pt-BR" dirty="0">
-                <a:latin typeface="Arial" panose="020B0604020202020204" pitchFamily="34" charset="0"/>
-                <a:cs typeface="Arial" panose="020B0604020202020204" pitchFamily="34" charset="0"/>
-              </a:rPr>
-              <a:t>Trilha até aqui:</a:t>
-            </a:r>
+            <a:r>
+              <a:rPr lang="ia-Latn-001" sz="2400" dirty="0">
+                <a:effectLst/>
+                <a:latin typeface="Arial" panose="020B0604020202020204" pitchFamily="34" charset="0"/>
+                <a:cs typeface="Arial" panose="020B0604020202020204" pitchFamily="34" charset="0"/>
+              </a:rPr>
+              <a:t>. Para chegar aos nossos objetivos, fizemos os requisitos funcionais, através de entrevista com a responsável pelo projeto na Microméros e traçamos o 5W2H.</a:t>
+            </a:r>
+          </a:p>
+          <a:p>
+            <a:endParaRPr lang="pt-BR" sz="2400" dirty="0">
+              <a:effectLst/>
+              <a:latin typeface="Arial" panose="020B0604020202020204" pitchFamily="34" charset="0"/>
+              <a:cs typeface="Arial" panose="020B0604020202020204" pitchFamily="34" charset="0"/>
+            </a:endParaRPr>
           </a:p>
         </p:txBody>
       </p:sp>
